--- a/Developer.pptx
+++ b/Developer.pptx
@@ -107,6 +107,11 @@
       </a:defRPr>
     </a:lvl9pPr>
   </p:defaultTextStyle>
+  <p:extLst>
+    <p:ext uri="{EFAFB233-063F-42B5-8137-9DF3F51BA10A}">
+      <p15:sldGuideLst xmlns:p15="http://schemas.microsoft.com/office/powerpoint/2012/main"/>
+    </p:ext>
+  </p:extLst>
 </p:presentation>
 </file>
 
@@ -3702,7 +3707,23 @@
               <a:t>: </a:t>
             </a:r>
             <a:r>
-              <a:rPr lang="ko-KR" altLang="en-US" sz="1400" b="1" smtClean="0">
+              <a:rPr lang="ko-KR" altLang="en-US" sz="1400" b="1">
+                <a:solidFill>
+                  <a:schemeClr val="tx1"/>
+                </a:solidFill>
+              </a:rPr>
+              <a:t>로우노코드</a:t>
+            </a:r>
+            <a:r>
+              <a:rPr lang="en-US" altLang="ko-KR" sz="1400" b="1">
+                <a:solidFill>
+                  <a:schemeClr val="tx1"/>
+                </a:solidFill>
+              </a:rPr>
+              <a:t>, </a:t>
+            </a:r>
+            <a:r>
+              <a:rPr lang="ko-KR" altLang="en-US" sz="1400" b="1">
                 <a:solidFill>
                   <a:schemeClr val="tx1"/>
                 </a:solidFill>
@@ -3710,7 +3731,7 @@
               <a:t>데이터 분석</a:t>
             </a:r>
             <a:r>
-              <a:rPr lang="en-US" altLang="ko-KR" sz="1400" b="1" smtClean="0">
+              <a:rPr lang="en-US" altLang="ko-KR" sz="1400" b="1">
                 <a:solidFill>
                   <a:schemeClr val="tx1"/>
                 </a:solidFill>
@@ -3718,7 +3739,7 @@
               <a:t>, AI </a:t>
             </a:r>
             <a:r>
-              <a:rPr lang="ko-KR" altLang="en-US" sz="1400" b="1" smtClean="0">
+              <a:rPr lang="ko-KR" altLang="en-US" sz="1400" b="1">
                 <a:solidFill>
                   <a:schemeClr val="tx1"/>
                 </a:solidFill>
@@ -3726,7 +3747,7 @@
               <a:t>활용</a:t>
             </a:r>
             <a:r>
-              <a:rPr lang="en-US" altLang="ko-KR" sz="1400" b="1" smtClean="0">
+              <a:rPr lang="en-US" altLang="ko-KR" sz="1400" b="1">
                 <a:solidFill>
                   <a:schemeClr val="tx1"/>
                 </a:solidFill>
@@ -3734,31 +3755,23 @@
               <a:t>, </a:t>
             </a:r>
             <a:r>
-              <a:rPr lang="ko-KR" altLang="en-US" sz="1400" b="1" smtClean="0">
+              <a:rPr lang="ko-KR" altLang="en-US" sz="1400" b="1">
                 <a:solidFill>
                   <a:schemeClr val="tx1"/>
                 </a:solidFill>
               </a:rPr>
-              <a:t>파이썬 코딩</a:t>
-            </a:r>
-            <a:r>
-              <a:rPr lang="en-US" altLang="ko-KR" sz="1400" b="1" smtClean="0">
+              <a:t>파이썬 </a:t>
+            </a:r>
+            <a:r>
+              <a:rPr lang="ko-KR" altLang="en-US" sz="1400" b="1">
                 <a:solidFill>
                   <a:schemeClr val="tx1"/>
                 </a:solidFill>
               </a:rPr>
-              <a:t>, </a:t>
+              <a:t>코딩 </a:t>
             </a:r>
             <a:r>
               <a:rPr lang="ko-KR" altLang="en-US" sz="1400" b="1" smtClean="0">
-                <a:solidFill>
-                  <a:schemeClr val="tx1"/>
-                </a:solidFill>
-              </a:rPr>
-              <a:t>솔루션 개발 </a:t>
-            </a:r>
-            <a:r>
-              <a:rPr lang="ko-KR" altLang="en-US" sz="1400" b="1">
                 <a:solidFill>
                   <a:schemeClr val="tx1"/>
                 </a:solidFill>
